--- a/files/slides/slides_day1.pptx
+++ b/files/slides/slides_day1.pptx
@@ -5,7 +5,7 @@
     <p:sldMasterId id="2147483660" r:id="rId1"/>
   </p:sldMasterIdLst>
   <p:notesMasterIdLst>
-    <p:notesMasterId r:id="rId59"/>
+    <p:notesMasterId r:id="rId60"/>
   </p:notesMasterIdLst>
   <p:sldIdLst>
     <p:sldId id="256" r:id="rId2"/>
@@ -37,12 +37,12 @@
     <p:sldId id="288" r:id="rId28"/>
     <p:sldId id="375" r:id="rId29"/>
     <p:sldId id="374" r:id="rId30"/>
-    <p:sldId id="295" r:id="rId31"/>
-    <p:sldId id="353" r:id="rId32"/>
-    <p:sldId id="354" r:id="rId33"/>
-    <p:sldId id="355" r:id="rId34"/>
-    <p:sldId id="356" r:id="rId35"/>
-    <p:sldId id="358" r:id="rId36"/>
+    <p:sldId id="385" r:id="rId31"/>
+    <p:sldId id="295" r:id="rId32"/>
+    <p:sldId id="353" r:id="rId33"/>
+    <p:sldId id="354" r:id="rId34"/>
+    <p:sldId id="355" r:id="rId35"/>
+    <p:sldId id="356" r:id="rId36"/>
     <p:sldId id="359" r:id="rId37"/>
     <p:sldId id="360" r:id="rId38"/>
     <p:sldId id="361" r:id="rId39"/>
@@ -57,14 +57,15 @@
     <p:sldId id="371" r:id="rId48"/>
     <p:sldId id="379" r:id="rId49"/>
     <p:sldId id="381" r:id="rId50"/>
-    <p:sldId id="313" r:id="rId51"/>
-    <p:sldId id="302" r:id="rId52"/>
-    <p:sldId id="299" r:id="rId53"/>
-    <p:sldId id="380" r:id="rId54"/>
-    <p:sldId id="372" r:id="rId55"/>
-    <p:sldId id="382" r:id="rId56"/>
-    <p:sldId id="383" r:id="rId57"/>
-    <p:sldId id="342" r:id="rId58"/>
+    <p:sldId id="386" r:id="rId51"/>
+    <p:sldId id="313" r:id="rId52"/>
+    <p:sldId id="302" r:id="rId53"/>
+    <p:sldId id="299" r:id="rId54"/>
+    <p:sldId id="380" r:id="rId55"/>
+    <p:sldId id="372" r:id="rId56"/>
+    <p:sldId id="382" r:id="rId57"/>
+    <p:sldId id="383" r:id="rId58"/>
+    <p:sldId id="342" r:id="rId59"/>
   </p:sldIdLst>
   <p:sldSz cx="9144000" cy="6858000" type="screen4x3"/>
   <p:notesSz cx="6858000" cy="9144000"/>
@@ -264,7 +265,7 @@
           <a:p>
             <a:fld id="{F833E4A7-8C8F-0444-B05A-6DE0ED7B35B0}" type="datetimeFigureOut">
               <a:rPr lang="en-US" smtClean="0"/>
-              <a:t>5/19/18</a:t>
+              <a:t>5/21/18</a:t>
             </a:fld>
             <a:endParaRPr lang="en-US"/>
           </a:p>
@@ -1293,7 +1294,7 @@
           <a:p>
             <a:fld id="{CAF647BD-C221-1844-9ED2-A7F7759EF665}" type="datetimeFigureOut">
               <a:rPr lang="en-US" smtClean="0"/>
-              <a:t>5/19/18</a:t>
+              <a:t>5/21/18</a:t>
             </a:fld>
             <a:endParaRPr lang="en-US"/>
           </a:p>
@@ -1558,7 +1559,7 @@
           <a:p>
             <a:fld id="{CAF647BD-C221-1844-9ED2-A7F7759EF665}" type="datetimeFigureOut">
               <a:rPr lang="en-US" smtClean="0"/>
-              <a:t>5/19/18</a:t>
+              <a:t>5/21/18</a:t>
             </a:fld>
             <a:endParaRPr lang="en-US"/>
           </a:p>
@@ -1733,7 +1734,7 @@
           <a:p>
             <a:fld id="{CAF647BD-C221-1844-9ED2-A7F7759EF665}" type="datetimeFigureOut">
               <a:rPr lang="en-US" smtClean="0"/>
-              <a:t>5/19/18</a:t>
+              <a:t>5/21/18</a:t>
             </a:fld>
             <a:endParaRPr lang="en-US"/>
           </a:p>
@@ -1898,7 +1899,7 @@
           <a:p>
             <a:fld id="{CAF647BD-C221-1844-9ED2-A7F7759EF665}" type="datetimeFigureOut">
               <a:rPr lang="en-US" smtClean="0"/>
-              <a:t>5/19/18</a:t>
+              <a:t>5/21/18</a:t>
             </a:fld>
             <a:endParaRPr lang="en-US"/>
           </a:p>
@@ -2147,7 +2148,7 @@
           <a:p>
             <a:fld id="{CAF647BD-C221-1844-9ED2-A7F7759EF665}" type="datetimeFigureOut">
               <a:rPr lang="en-US" smtClean="0"/>
-              <a:t>5/19/18</a:t>
+              <a:t>5/21/18</a:t>
             </a:fld>
             <a:endParaRPr lang="en-US"/>
           </a:p>
@@ -2430,7 +2431,7 @@
           <a:p>
             <a:fld id="{CAF647BD-C221-1844-9ED2-A7F7759EF665}" type="datetimeFigureOut">
               <a:rPr lang="en-US" smtClean="0"/>
-              <a:t>5/19/18</a:t>
+              <a:t>5/21/18</a:t>
             </a:fld>
             <a:endParaRPr lang="en-US"/>
           </a:p>
@@ -2869,7 +2870,7 @@
           <a:p>
             <a:fld id="{CAF647BD-C221-1844-9ED2-A7F7759EF665}" type="datetimeFigureOut">
               <a:rPr lang="en-US" smtClean="0"/>
-              <a:t>5/19/18</a:t>
+              <a:t>5/21/18</a:t>
             </a:fld>
             <a:endParaRPr lang="en-US"/>
           </a:p>
@@ -2982,7 +2983,7 @@
           <a:p>
             <a:fld id="{CAF647BD-C221-1844-9ED2-A7F7759EF665}" type="datetimeFigureOut">
               <a:rPr lang="en-US" smtClean="0"/>
-              <a:t>5/19/18</a:t>
+              <a:t>5/21/18</a:t>
             </a:fld>
             <a:endParaRPr lang="en-US"/>
           </a:p>
@@ -3072,7 +3073,7 @@
           <a:p>
             <a:fld id="{CAF647BD-C221-1844-9ED2-A7F7759EF665}" type="datetimeFigureOut">
               <a:rPr lang="en-US" smtClean="0"/>
-              <a:t>5/19/18</a:t>
+              <a:t>5/21/18</a:t>
             </a:fld>
             <a:endParaRPr lang="en-US"/>
           </a:p>
@@ -3314,7 +3315,7 @@
           <a:p>
             <a:fld id="{CAF647BD-C221-1844-9ED2-A7F7759EF665}" type="datetimeFigureOut">
               <a:rPr lang="en-US" smtClean="0"/>
-              <a:t>5/19/18</a:t>
+              <a:t>5/21/18</a:t>
             </a:fld>
             <a:endParaRPr lang="en-US"/>
           </a:p>
@@ -3608,7 +3609,7 @@
           <a:p>
             <a:fld id="{CAF647BD-C221-1844-9ED2-A7F7759EF665}" type="datetimeFigureOut">
               <a:rPr lang="en-US" smtClean="0"/>
-              <a:t>5/19/18</a:t>
+              <a:t>5/21/18</a:t>
             </a:fld>
             <a:endParaRPr lang="en-US"/>
           </a:p>
@@ -3902,7 +3903,7 @@
           <a:p>
             <a:fld id="{CAF647BD-C221-1844-9ED2-A7F7759EF665}" type="datetimeFigureOut">
               <a:rPr lang="en-US" smtClean="0"/>
-              <a:t>5/19/18</a:t>
+              <a:t>5/21/18</a:t>
             </a:fld>
             <a:endParaRPr lang="en-US"/>
           </a:p>
@@ -8429,11 +8430,7 @@
             </a:r>
             <a:r>
               <a:rPr lang="en-US" strike="sngStrike" dirty="0" smtClean="0"/>
-              <a:t> and </a:t>
-            </a:r>
-            <a:r>
-              <a:rPr lang="en-US" strike="sngStrike" dirty="0" smtClean="0"/>
-              <a:t>Notepad </a:t>
+              <a:t> and Notepad </a:t>
             </a:r>
             <a:r>
               <a:rPr lang="en-US" dirty="0" smtClean="0"/>
@@ -8464,11 +8461,7 @@
             </a:r>
             <a:r>
               <a:rPr lang="en-US" dirty="0" smtClean="0"/>
-              <a:t>/BBEdit </a:t>
-            </a:r>
-            <a:r>
-              <a:rPr lang="en-US" dirty="0" smtClean="0"/>
-              <a:t>for Macs</a:t>
+              <a:t>/BBEdit for Macs</a:t>
             </a:r>
           </a:p>
           <a:p>
@@ -8478,13 +8471,8 @@
             </a:pPr>
             <a:r>
               <a:rPr lang="en-US" dirty="0" smtClean="0"/>
-              <a:t>Sublime 3 for </a:t>
-            </a:r>
-            <a:r>
-              <a:rPr lang="en-US" dirty="0" smtClean="0"/>
-              <a:t>any system</a:t>
-            </a:r>
-            <a:endParaRPr lang="en-US" dirty="0" smtClean="0"/>
+              <a:t>Sublime 3 for any system</a:t>
+            </a:r>
           </a:p>
           <a:p>
             <a:pPr marL="914400" lvl="1" indent="-457200">
@@ -8495,7 +8483,6 @@
               <a:rPr lang="en-US" dirty="0" smtClean="0"/>
               <a:t>Atom for the dedicated and deeply interested</a:t>
             </a:r>
-            <a:endParaRPr lang="en-US" dirty="0" smtClean="0"/>
           </a:p>
           <a:p>
             <a:pPr marL="457200" indent="-457200">
@@ -11699,6 +11686,71 @@
 </file>
 
 <file path=ppt/slides/slide30.xml><?xml version="1.0" encoding="utf-8"?>
+<p:sld xmlns:a="http://schemas.openxmlformats.org/drawingml/2006/main" xmlns:r="http://schemas.openxmlformats.org/officeDocument/2006/relationships" xmlns:p="http://schemas.openxmlformats.org/presentationml/2006/main">
+  <p:cSld>
+    <p:spTree>
+      <p:nvGrpSpPr>
+        <p:cNvPr id="1" name=""/>
+        <p:cNvGrpSpPr/>
+        <p:nvPr/>
+      </p:nvGrpSpPr>
+      <p:grpSpPr>
+        <a:xfrm>
+          <a:off x="0" y="0"/>
+          <a:ext cx="0" cy="0"/>
+          <a:chOff x="0" y="0"/>
+          <a:chExt cx="0" cy="0"/>
+        </a:xfrm>
+      </p:grpSpPr>
+      <p:sp>
+        <p:nvSpPr>
+          <p:cNvPr id="2" name="Title 1"/>
+          <p:cNvSpPr>
+            <a:spLocks noGrp="1"/>
+          </p:cNvSpPr>
+          <p:nvPr>
+            <p:ph type="title"/>
+          </p:nvPr>
+        </p:nvSpPr>
+        <p:spPr>
+          <a:xfrm>
+            <a:off x="2230714" y="3087537"/>
+            <a:ext cx="4688183" cy="692215"/>
+          </a:xfrm>
+        </p:spPr>
+        <p:txBody>
+          <a:bodyPr/>
+          <a:lstStyle/>
+          <a:p>
+            <a:r>
+              <a:rPr lang="en-US" dirty="0" smtClean="0"/>
+              <a:t>exercise break</a:t>
+            </a:r>
+            <a:endParaRPr lang="en-US" dirty="0"/>
+          </a:p>
+        </p:txBody>
+      </p:sp>
+    </p:spTree>
+    <p:extLst>
+      <p:ext uri="{BB962C8B-B14F-4D97-AF65-F5344CB8AC3E}">
+        <p14:creationId xmlns:p14="http://schemas.microsoft.com/office/powerpoint/2010/main" val="1019807324"/>
+      </p:ext>
+    </p:extLst>
+  </p:cSld>
+  <p:clrMapOvr>
+    <a:masterClrMapping/>
+  </p:clrMapOvr>
+  <p:timing>
+    <p:tnLst>
+      <p:par>
+        <p:cTn id="1" dur="indefinite" restart="never" nodeType="tmRoot"/>
+      </p:par>
+    </p:tnLst>
+  </p:timing>
+</p:sld>
+</file>
+
+<file path=ppt/slides/slide31.xml><?xml version="1.0" encoding="utf-8"?>
 <p:sld xmlns:a="http://schemas.openxmlformats.org/drawingml/2006/main" xmlns:r="http://schemas.openxmlformats.org/officeDocument/2006/relationships" xmlns:p="http://schemas.openxmlformats.org/presentationml/2006/main">
   <p:cSld>
     <p:spTree>
@@ -12358,7 +12410,7 @@
 </p:sld>
 </file>
 
-<file path=ppt/slides/slide31.xml><?xml version="1.0" encoding="utf-8"?>
+<file path=ppt/slides/slide32.xml><?xml version="1.0" encoding="utf-8"?>
 <p:sld xmlns:a="http://schemas.openxmlformats.org/drawingml/2006/main" xmlns:r="http://schemas.openxmlformats.org/officeDocument/2006/relationships" xmlns:p="http://schemas.openxmlformats.org/presentationml/2006/main">
   <p:cSld>
     <p:spTree>
@@ -12755,7 +12807,7 @@
 </p:sld>
 </file>
 
-<file path=ppt/slides/slide32.xml><?xml version="1.0" encoding="utf-8"?>
+<file path=ppt/slides/slide33.xml><?xml version="1.0" encoding="utf-8"?>
 <p:sld xmlns:a="http://schemas.openxmlformats.org/drawingml/2006/main" xmlns:r="http://schemas.openxmlformats.org/officeDocument/2006/relationships" xmlns:p="http://schemas.openxmlformats.org/presentationml/2006/main">
   <p:cSld>
     <p:spTree>
@@ -13479,193 +13531,6 @@
 </p:sld>
 </file>
 
-<file path=ppt/slides/slide33.xml><?xml version="1.0" encoding="utf-8"?>
-<p:sld xmlns:a="http://schemas.openxmlformats.org/drawingml/2006/main" xmlns:r="http://schemas.openxmlformats.org/officeDocument/2006/relationships" xmlns:p="http://schemas.openxmlformats.org/presentationml/2006/main">
-  <p:cSld>
-    <p:spTree>
-      <p:nvGrpSpPr>
-        <p:cNvPr id="1" name=""/>
-        <p:cNvGrpSpPr/>
-        <p:nvPr/>
-      </p:nvGrpSpPr>
-      <p:grpSpPr>
-        <a:xfrm>
-          <a:off x="0" y="0"/>
-          <a:ext cx="0" cy="0"/>
-          <a:chOff x="0" y="0"/>
-          <a:chExt cx="0" cy="0"/>
-        </a:xfrm>
-      </p:grpSpPr>
-      <p:sp>
-        <p:nvSpPr>
-          <p:cNvPr id="2" name="Title 1"/>
-          <p:cNvSpPr>
-            <a:spLocks noGrp="1"/>
-          </p:cNvSpPr>
-          <p:nvPr>
-            <p:ph type="title"/>
-          </p:nvPr>
-        </p:nvSpPr>
-        <p:spPr/>
-        <p:txBody>
-          <a:bodyPr/>
-          <a:lstStyle/>
-          <a:p>
-            <a:r>
-              <a:rPr lang="en-US" dirty="0" smtClean="0"/>
-              <a:t>combining logical statements</a:t>
-            </a:r>
-            <a:endParaRPr lang="en-US" dirty="0"/>
-          </a:p>
-        </p:txBody>
-      </p:sp>
-      <p:sp>
-        <p:nvSpPr>
-          <p:cNvPr id="3" name="Content Placeholder 2"/>
-          <p:cNvSpPr>
-            <a:spLocks noGrp="1"/>
-          </p:cNvSpPr>
-          <p:nvPr>
-            <p:ph idx="1"/>
-          </p:nvPr>
-        </p:nvSpPr>
-        <p:spPr/>
-        <p:txBody>
-          <a:bodyPr/>
-          <a:lstStyle/>
-          <a:p>
-            <a:pPr marL="457200" indent="-457200">
-              <a:buFont typeface="Arial"/>
-              <a:buChar char="•"/>
-            </a:pPr>
-            <a:r>
-              <a:rPr lang="en-US" dirty="0" smtClean="0"/>
-              <a:t>Use the Python operators </a:t>
-            </a:r>
-            <a:r>
-              <a:rPr lang="en-US" dirty="0" smtClean="0">
-                <a:solidFill>
-                  <a:schemeClr val="accent5"/>
-                </a:solidFill>
-                <a:latin typeface="Monaco"/>
-                <a:cs typeface="Monaco"/>
-              </a:rPr>
-              <a:t>and</a:t>
-            </a:r>
-            <a:r>
-              <a:rPr lang="en-US" dirty="0" smtClean="0">
-                <a:solidFill>
-                  <a:schemeClr val="accent5"/>
-                </a:solidFill>
-              </a:rPr>
-              <a:t> </a:t>
-            </a:r>
-            <a:r>
-              <a:rPr lang="en-US" dirty="0" smtClean="0"/>
-              <a:t>and </a:t>
-            </a:r>
-            <a:r>
-              <a:rPr lang="en-US" dirty="0" smtClean="0">
-                <a:solidFill>
-                  <a:schemeClr val="accent5"/>
-                </a:solidFill>
-                <a:latin typeface="Monaco"/>
-                <a:cs typeface="Monaco"/>
-              </a:rPr>
-              <a:t>or</a:t>
-            </a:r>
-            <a:r>
-              <a:rPr lang="en-US" dirty="0" smtClean="0">
-                <a:solidFill>
-                  <a:schemeClr val="accent5"/>
-                </a:solidFill>
-              </a:rPr>
-              <a:t> </a:t>
-            </a:r>
-            <a:r>
-              <a:rPr lang="en-US" dirty="0" smtClean="0"/>
-              <a:t>to combine logical statements</a:t>
-            </a:r>
-          </a:p>
-          <a:p>
-            <a:pPr marL="914400" lvl="1" indent="-457200">
-              <a:buFont typeface="Arial"/>
-              <a:buChar char="•"/>
-            </a:pPr>
-            <a:r>
-              <a:rPr lang="en-US" dirty="0" smtClean="0">
-                <a:solidFill>
-                  <a:schemeClr val="accent5"/>
-                </a:solidFill>
-                <a:latin typeface="Monaco"/>
-                <a:cs typeface="Monaco"/>
-              </a:rPr>
-              <a:t>and</a:t>
-            </a:r>
-            <a:r>
-              <a:rPr lang="en-US" dirty="0" smtClean="0"/>
-              <a:t>: </a:t>
-            </a:r>
-            <a:r>
-              <a:rPr lang="en-US" i="1" dirty="0" smtClean="0"/>
-              <a:t>both</a:t>
-            </a:r>
-            <a:r>
-              <a:rPr lang="en-US" dirty="0" smtClean="0"/>
-              <a:t> conditions must be True</a:t>
-            </a:r>
-          </a:p>
-          <a:p>
-            <a:pPr marL="914400" lvl="1" indent="-457200">
-              <a:buFont typeface="Arial"/>
-              <a:buChar char="•"/>
-            </a:pPr>
-            <a:r>
-              <a:rPr lang="en-US" dirty="0" smtClean="0">
-                <a:solidFill>
-                  <a:schemeClr val="accent5"/>
-                </a:solidFill>
-                <a:latin typeface="Monaco"/>
-                <a:cs typeface="Monaco"/>
-              </a:rPr>
-              <a:t>or</a:t>
-            </a:r>
-            <a:r>
-              <a:rPr lang="en-US" dirty="0" smtClean="0"/>
-              <a:t>:  </a:t>
-            </a:r>
-            <a:r>
-              <a:rPr lang="en-US" i="1" dirty="0" smtClean="0"/>
-              <a:t>only one</a:t>
-            </a:r>
-            <a:r>
-              <a:rPr lang="en-US" dirty="0" smtClean="0"/>
-              <a:t> condition must be True</a:t>
-            </a:r>
-            <a:endParaRPr lang="en-US" dirty="0"/>
-          </a:p>
-        </p:txBody>
-      </p:sp>
-    </p:spTree>
-    <p:extLst>
-      <p:ext uri="{BB962C8B-B14F-4D97-AF65-F5344CB8AC3E}">
-        <p14:creationId xmlns:p14="http://schemas.microsoft.com/office/powerpoint/2010/main" val="903914425"/>
-      </p:ext>
-    </p:extLst>
-  </p:cSld>
-  <p:clrMapOvr>
-    <a:masterClrMapping/>
-  </p:clrMapOvr>
-  <p:timing>
-    <p:tnLst>
-      <p:par>
-        <p:cTn id="1" dur="indefinite" restart="never" nodeType="tmRoot"/>
-      </p:par>
-    </p:tnLst>
-  </p:timing>
-</p:sld>
-</file>
-
 <file path=ppt/slides/slide34.xml><?xml version="1.0" encoding="utf-8"?>
 <p:sld xmlns:a="http://schemas.openxmlformats.org/drawingml/2006/main" xmlns:r="http://schemas.openxmlformats.org/officeDocument/2006/relationships" xmlns:p="http://schemas.openxmlformats.org/presentationml/2006/main">
   <p:cSld>
@@ -13708,296 +13573,135 @@
       </p:sp>
       <p:sp>
         <p:nvSpPr>
-          <p:cNvPr id="4" name="TextBox 3"/>
-          <p:cNvSpPr txBox="1"/>
-          <p:nvPr/>
-        </p:nvSpPr>
-        <p:spPr>
-          <a:xfrm>
-            <a:off x="457199" y="1735761"/>
-            <a:ext cx="8158734" cy="5632311"/>
-          </a:xfrm>
-          <a:prstGeom prst="rect">
-            <a:avLst/>
-          </a:prstGeom>
-          <a:noFill/>
-        </p:spPr>
+          <p:cNvPr id="3" name="Content Placeholder 2"/>
+          <p:cNvSpPr>
+            <a:spLocks noGrp="1"/>
+          </p:cNvSpPr>
+          <p:nvPr>
+            <p:ph idx="1"/>
+          </p:nvPr>
+        </p:nvSpPr>
+        <p:spPr/>
         <p:txBody>
-          <a:bodyPr wrap="square" rtlCol="0">
-            <a:spAutoFit/>
-          </a:bodyPr>
+          <a:bodyPr/>
           <a:lstStyle/>
           <a:p>
+            <a:pPr marL="457200" indent="-457200">
+              <a:buFont typeface="Arial"/>
+              <a:buChar char="•"/>
+            </a:pPr>
+            <a:r>
+              <a:rPr lang="en-US" dirty="0" smtClean="0"/>
+              <a:t>Use the Python operators </a:t>
+            </a:r>
             <a:r>
               <a:rPr lang="en-US" dirty="0" smtClean="0">
-                <a:latin typeface="Monaco"/>
-                <a:cs typeface="Monaco"/>
-              </a:rPr>
-              <a:t>a = 6</a:t>
-            </a:r>
-          </a:p>
-          <a:p>
+                <a:solidFill>
+                  <a:schemeClr val="accent5"/>
+                </a:solidFill>
+                <a:latin typeface="Monaco"/>
+                <a:cs typeface="Monaco"/>
+              </a:rPr>
+              <a:t>and</a:t>
+            </a:r>
             <a:r>
               <a:rPr lang="en-US" dirty="0" smtClean="0">
-                <a:latin typeface="Monaco"/>
-                <a:cs typeface="Monaco"/>
-              </a:rPr>
-              <a:t>b = 120</a:t>
-            </a:r>
-          </a:p>
-          <a:p>
+                <a:solidFill>
+                  <a:schemeClr val="accent5"/>
+                </a:solidFill>
+              </a:rPr>
+              <a:t> </a:t>
+            </a:r>
+            <a:r>
+              <a:rPr lang="en-US" dirty="0" smtClean="0"/>
+              <a:t>and </a:t>
+            </a:r>
             <a:r>
               <a:rPr lang="en-US" dirty="0" smtClean="0">
-                <a:latin typeface="Monaco"/>
-                <a:cs typeface="Monaco"/>
-              </a:rPr>
-              <a:t>c = -8.34</a:t>
-            </a:r>
-          </a:p>
-          <a:p>
-            <a:endParaRPr lang="en-US" dirty="0" smtClean="0">
-              <a:latin typeface="Monaco"/>
-              <a:cs typeface="Monaco"/>
-            </a:endParaRPr>
-          </a:p>
-          <a:p>
+                <a:solidFill>
+                  <a:schemeClr val="accent5"/>
+                </a:solidFill>
+                <a:latin typeface="Monaco"/>
+                <a:cs typeface="Monaco"/>
+              </a:rPr>
+              <a:t>or</a:t>
+            </a:r>
             <a:r>
               <a:rPr lang="en-US" dirty="0" smtClean="0">
-                <a:latin typeface="Monaco"/>
-                <a:cs typeface="Monaco"/>
-              </a:rPr>
-              <a:t>print(a == 6 and b == 120)</a:t>
-            </a:r>
-          </a:p>
-          <a:p>
-            <a:r>
-              <a:rPr lang="en-US" dirty="0">
-                <a:solidFill>
-                  <a:srgbClr val="A6A6A6"/>
-                </a:solidFill>
-                <a:latin typeface="Monaco"/>
-                <a:cs typeface="Monaco"/>
-              </a:rPr>
-              <a:t>	</a:t>
-            </a:r>
+                <a:solidFill>
+                  <a:schemeClr val="accent5"/>
+                </a:solidFill>
+              </a:rPr>
+              <a:t> </a:t>
+            </a:r>
+            <a:r>
+              <a:rPr lang="en-US" dirty="0" smtClean="0"/>
+              <a:t>to combine logical statements</a:t>
+            </a:r>
+          </a:p>
+          <a:p>
+            <a:pPr marL="914400" lvl="1" indent="-457200">
+              <a:buFont typeface="Arial"/>
+              <a:buChar char="•"/>
+            </a:pPr>
             <a:r>
               <a:rPr lang="en-US" dirty="0" smtClean="0">
                 <a:solidFill>
-                  <a:srgbClr val="A6A6A6"/>
-                </a:solidFill>
-                <a:latin typeface="Monaco"/>
-                <a:cs typeface="Monaco"/>
-              </a:rPr>
-              <a:t>True</a:t>
-            </a:r>
-          </a:p>
-          <a:p>
-            <a:endParaRPr lang="en-US" dirty="0" smtClean="0">
-              <a:latin typeface="Monaco"/>
-              <a:cs typeface="Monaco"/>
-            </a:endParaRPr>
-          </a:p>
-          <a:p>
+                  <a:schemeClr val="accent5"/>
+                </a:solidFill>
+                <a:latin typeface="Monaco"/>
+                <a:cs typeface="Monaco"/>
+              </a:rPr>
+              <a:t>and</a:t>
+            </a:r>
+            <a:r>
+              <a:rPr lang="en-US" dirty="0" smtClean="0"/>
+              <a:t>: </a:t>
+            </a:r>
+            <a:r>
+              <a:rPr lang="en-US" i="1" dirty="0" smtClean="0"/>
+              <a:t>both</a:t>
+            </a:r>
+            <a:r>
+              <a:rPr lang="en-US" dirty="0" smtClean="0"/>
+              <a:t> conditions must be True</a:t>
+            </a:r>
+          </a:p>
+          <a:p>
+            <a:pPr marL="914400" lvl="1" indent="-457200">
+              <a:buFont typeface="Arial"/>
+              <a:buChar char="•"/>
+            </a:pPr>
             <a:r>
               <a:rPr lang="en-US" dirty="0" smtClean="0">
-                <a:latin typeface="Monaco"/>
-                <a:cs typeface="Monaco"/>
-              </a:rPr>
-              <a:t>print(a == 6 or b == 92)</a:t>
-            </a:r>
-          </a:p>
-          <a:p>
-            <a:r>
-              <a:rPr lang="en-US" dirty="0">
-                <a:solidFill>
-                  <a:srgbClr val="A6A6A6"/>
-                </a:solidFill>
-                <a:latin typeface="Monaco"/>
-                <a:cs typeface="Monaco"/>
-              </a:rPr>
-              <a:t>	</a:t>
-            </a:r>
-            <a:r>
-              <a:rPr lang="en-US" dirty="0" smtClean="0">
-                <a:solidFill>
-                  <a:srgbClr val="A6A6A6"/>
-                </a:solidFill>
-                <a:latin typeface="Monaco"/>
-                <a:cs typeface="Monaco"/>
-              </a:rPr>
-              <a:t>True</a:t>
-            </a:r>
-          </a:p>
-          <a:p>
-            <a:endParaRPr lang="en-US" dirty="0" smtClean="0">
-              <a:latin typeface="Monaco"/>
-              <a:cs typeface="Monaco"/>
-            </a:endParaRPr>
-          </a:p>
-          <a:p>
-            <a:r>
-              <a:rPr lang="en-US" dirty="0" smtClean="0">
-                <a:latin typeface="Monaco"/>
-                <a:cs typeface="Monaco"/>
-              </a:rPr>
-              <a:t>print(b &lt; 10 or a &gt; 55)</a:t>
-            </a:r>
-          </a:p>
-          <a:p>
-            <a:r>
-              <a:rPr lang="en-US" dirty="0">
-                <a:solidFill>
-                  <a:srgbClr val="A6A6A6"/>
-                </a:solidFill>
-                <a:latin typeface="Monaco"/>
-                <a:cs typeface="Monaco"/>
-              </a:rPr>
-              <a:t>	</a:t>
-            </a:r>
-            <a:r>
-              <a:rPr lang="en-US" dirty="0" smtClean="0">
-                <a:solidFill>
-                  <a:srgbClr val="A6A6A6"/>
-                </a:solidFill>
-                <a:latin typeface="Monaco"/>
-                <a:cs typeface="Monaco"/>
-              </a:rPr>
-              <a:t>False</a:t>
-            </a:r>
-            <a:endParaRPr lang="en-US" dirty="0">
-              <a:solidFill>
-                <a:srgbClr val="A6A6A6"/>
-              </a:solidFill>
-              <a:latin typeface="Monaco"/>
-              <a:cs typeface="Monaco"/>
-            </a:endParaRPr>
-          </a:p>
-          <a:p>
-            <a:endParaRPr lang="en-US" dirty="0" smtClean="0">
-              <a:latin typeface="Monaco"/>
-              <a:cs typeface="Monaco"/>
-            </a:endParaRPr>
-          </a:p>
-          <a:p>
-            <a:r>
-              <a:rPr lang="en-US" dirty="0" smtClean="0">
-                <a:latin typeface="Monaco"/>
-                <a:cs typeface="Monaco"/>
-              </a:rPr>
-              <a:t>print(b != 7 and c &lt;= 11)</a:t>
-            </a:r>
-          </a:p>
-          <a:p>
-            <a:r>
-              <a:rPr lang="en-US" dirty="0">
-                <a:solidFill>
-                  <a:srgbClr val="A6A6A6"/>
-                </a:solidFill>
-                <a:latin typeface="Monaco"/>
-                <a:cs typeface="Monaco"/>
-              </a:rPr>
-              <a:t>	</a:t>
-            </a:r>
-            <a:r>
-              <a:rPr lang="en-US" dirty="0" smtClean="0">
-                <a:solidFill>
-                  <a:srgbClr val="A6A6A6"/>
-                </a:solidFill>
-                <a:latin typeface="Monaco"/>
-                <a:cs typeface="Monaco"/>
-              </a:rPr>
-              <a:t>True</a:t>
-            </a:r>
-          </a:p>
-          <a:p>
-            <a:endParaRPr lang="en-US" dirty="0">
-              <a:solidFill>
-                <a:srgbClr val="A6A6A6"/>
-              </a:solidFill>
-              <a:latin typeface="Monaco"/>
-              <a:cs typeface="Monaco"/>
-            </a:endParaRPr>
-          </a:p>
-          <a:p>
-            <a:r>
-              <a:rPr lang="en-US" dirty="0" smtClean="0">
-                <a:latin typeface="Monaco"/>
-                <a:cs typeface="Monaco"/>
-              </a:rPr>
-              <a:t>print(c == -8.34 </a:t>
-            </a:r>
-            <a:r>
-              <a:rPr lang="en-US" dirty="0">
-                <a:latin typeface="Monaco"/>
-                <a:cs typeface="Monaco"/>
-              </a:rPr>
-              <a:t>and </a:t>
-            </a:r>
-            <a:r>
-              <a:rPr lang="en-US" dirty="0" smtClean="0">
-                <a:latin typeface="Monaco"/>
-                <a:cs typeface="Monaco"/>
-              </a:rPr>
-              <a:t>a == b)</a:t>
-            </a:r>
-            <a:endParaRPr lang="en-US" dirty="0">
-              <a:latin typeface="Monaco"/>
-              <a:cs typeface="Monaco"/>
-            </a:endParaRPr>
-          </a:p>
-          <a:p>
-            <a:r>
-              <a:rPr lang="en-US" dirty="0">
-                <a:solidFill>
-                  <a:srgbClr val="A6A6A6"/>
-                </a:solidFill>
-                <a:latin typeface="Monaco"/>
-                <a:cs typeface="Monaco"/>
-              </a:rPr>
-              <a:t>	</a:t>
-            </a:r>
-            <a:r>
-              <a:rPr lang="en-US" dirty="0" smtClean="0">
-                <a:solidFill>
-                  <a:srgbClr val="A6A6A6"/>
-                </a:solidFill>
-                <a:latin typeface="Monaco"/>
-                <a:cs typeface="Monaco"/>
-              </a:rPr>
-              <a:t>False</a:t>
-            </a:r>
-            <a:endParaRPr lang="en-US" dirty="0">
-              <a:solidFill>
-                <a:srgbClr val="A6A6A6"/>
-              </a:solidFill>
-              <a:latin typeface="Monaco"/>
-              <a:cs typeface="Monaco"/>
-            </a:endParaRPr>
-          </a:p>
-          <a:p>
-            <a:endParaRPr lang="en-US" dirty="0">
-              <a:solidFill>
-                <a:srgbClr val="A6A6A6"/>
-              </a:solidFill>
-              <a:latin typeface="Monaco"/>
-              <a:cs typeface="Monaco"/>
-            </a:endParaRPr>
-          </a:p>
-          <a:p>
-            <a:endParaRPr lang="en-US" dirty="0">
-              <a:solidFill>
-                <a:srgbClr val="A6A6A6"/>
-              </a:solidFill>
-              <a:latin typeface="Monaco"/>
-              <a:cs typeface="Monaco"/>
-            </a:endParaRPr>
+                <a:solidFill>
+                  <a:schemeClr val="accent5"/>
+                </a:solidFill>
+                <a:latin typeface="Monaco"/>
+                <a:cs typeface="Monaco"/>
+              </a:rPr>
+              <a:t>or</a:t>
+            </a:r>
+            <a:r>
+              <a:rPr lang="en-US" dirty="0" smtClean="0"/>
+              <a:t>:  </a:t>
+            </a:r>
+            <a:r>
+              <a:rPr lang="en-US" i="1" dirty="0" smtClean="0"/>
+              <a:t>only one</a:t>
+            </a:r>
+            <a:r>
+              <a:rPr lang="en-US" dirty="0" smtClean="0"/>
+              <a:t> condition must be True</a:t>
+            </a:r>
+            <a:endParaRPr lang="en-US" dirty="0"/>
           </a:p>
         </p:txBody>
       </p:sp>
     </p:spTree>
     <p:extLst>
       <p:ext uri="{BB962C8B-B14F-4D97-AF65-F5344CB8AC3E}">
-        <p14:creationId xmlns:p14="http://schemas.microsoft.com/office/powerpoint/2010/main" val="2978888670"/>
+        <p14:creationId xmlns:p14="http://schemas.microsoft.com/office/powerpoint/2010/main" val="903914425"/>
       </p:ext>
     </p:extLst>
   </p:cSld>
@@ -14041,28 +13745,311 @@
             <p:ph type="title"/>
           </p:nvPr>
         </p:nvSpPr>
-        <p:spPr>
-          <a:xfrm>
-            <a:off x="2230714" y="3087537"/>
-            <a:ext cx="4688183" cy="692215"/>
-          </a:xfrm>
-        </p:spPr>
+        <p:spPr/>
         <p:txBody>
           <a:bodyPr/>
           <a:lstStyle/>
           <a:p>
             <a:r>
               <a:rPr lang="en-US" dirty="0" smtClean="0"/>
-              <a:t>exercise break</a:t>
+              <a:t>combining logical statements</a:t>
             </a:r>
             <a:endParaRPr lang="en-US" dirty="0"/>
+          </a:p>
+        </p:txBody>
+      </p:sp>
+      <p:sp>
+        <p:nvSpPr>
+          <p:cNvPr id="4" name="TextBox 3"/>
+          <p:cNvSpPr txBox="1"/>
+          <p:nvPr/>
+        </p:nvSpPr>
+        <p:spPr>
+          <a:xfrm>
+            <a:off x="457199" y="1735761"/>
+            <a:ext cx="8158734" cy="5632311"/>
+          </a:xfrm>
+          <a:prstGeom prst="rect">
+            <a:avLst/>
+          </a:prstGeom>
+          <a:noFill/>
+        </p:spPr>
+        <p:txBody>
+          <a:bodyPr wrap="square" rtlCol="0">
+            <a:spAutoFit/>
+          </a:bodyPr>
+          <a:lstStyle/>
+          <a:p>
+            <a:r>
+              <a:rPr lang="en-US" dirty="0" smtClean="0">
+                <a:latin typeface="Monaco"/>
+                <a:cs typeface="Monaco"/>
+              </a:rPr>
+              <a:t>a = 6</a:t>
+            </a:r>
+          </a:p>
+          <a:p>
+            <a:r>
+              <a:rPr lang="en-US" dirty="0" smtClean="0">
+                <a:latin typeface="Monaco"/>
+                <a:cs typeface="Monaco"/>
+              </a:rPr>
+              <a:t>b = 120</a:t>
+            </a:r>
+          </a:p>
+          <a:p>
+            <a:r>
+              <a:rPr lang="en-US" dirty="0" smtClean="0">
+                <a:latin typeface="Monaco"/>
+                <a:cs typeface="Monaco"/>
+              </a:rPr>
+              <a:t>c = -8.34</a:t>
+            </a:r>
+          </a:p>
+          <a:p>
+            <a:endParaRPr lang="en-US" dirty="0" smtClean="0">
+              <a:latin typeface="Monaco"/>
+              <a:cs typeface="Monaco"/>
+            </a:endParaRPr>
+          </a:p>
+          <a:p>
+            <a:r>
+              <a:rPr lang="en-US" dirty="0" smtClean="0">
+                <a:latin typeface="Monaco"/>
+                <a:cs typeface="Monaco"/>
+              </a:rPr>
+              <a:t>print(a == 6 and b == 120)</a:t>
+            </a:r>
+          </a:p>
+          <a:p>
+            <a:r>
+              <a:rPr lang="en-US" dirty="0">
+                <a:solidFill>
+                  <a:srgbClr val="A6A6A6"/>
+                </a:solidFill>
+                <a:latin typeface="Monaco"/>
+                <a:cs typeface="Monaco"/>
+              </a:rPr>
+              <a:t>	</a:t>
+            </a:r>
+            <a:r>
+              <a:rPr lang="en-US" dirty="0" smtClean="0">
+                <a:solidFill>
+                  <a:srgbClr val="A6A6A6"/>
+                </a:solidFill>
+                <a:latin typeface="Monaco"/>
+                <a:cs typeface="Monaco"/>
+              </a:rPr>
+              <a:t>True</a:t>
+            </a:r>
+          </a:p>
+          <a:p>
+            <a:endParaRPr lang="en-US" dirty="0" smtClean="0">
+              <a:latin typeface="Monaco"/>
+              <a:cs typeface="Monaco"/>
+            </a:endParaRPr>
+          </a:p>
+          <a:p>
+            <a:r>
+              <a:rPr lang="en-US" dirty="0" smtClean="0">
+                <a:latin typeface="Monaco"/>
+                <a:cs typeface="Monaco"/>
+              </a:rPr>
+              <a:t>print(a == 6 or b == 92)</a:t>
+            </a:r>
+          </a:p>
+          <a:p>
+            <a:r>
+              <a:rPr lang="en-US" dirty="0">
+                <a:solidFill>
+                  <a:srgbClr val="A6A6A6"/>
+                </a:solidFill>
+                <a:latin typeface="Monaco"/>
+                <a:cs typeface="Monaco"/>
+              </a:rPr>
+              <a:t>	</a:t>
+            </a:r>
+            <a:r>
+              <a:rPr lang="en-US" dirty="0" smtClean="0">
+                <a:solidFill>
+                  <a:srgbClr val="A6A6A6"/>
+                </a:solidFill>
+                <a:latin typeface="Monaco"/>
+                <a:cs typeface="Monaco"/>
+              </a:rPr>
+              <a:t>True</a:t>
+            </a:r>
+          </a:p>
+          <a:p>
+            <a:endParaRPr lang="en-US" dirty="0" smtClean="0">
+              <a:latin typeface="Monaco"/>
+              <a:cs typeface="Monaco"/>
+            </a:endParaRPr>
+          </a:p>
+          <a:p>
+            <a:r>
+              <a:rPr lang="en-US" dirty="0" smtClean="0">
+                <a:latin typeface="Monaco"/>
+                <a:cs typeface="Monaco"/>
+              </a:rPr>
+              <a:t>print(b &lt; 10 or a &gt; 55)</a:t>
+            </a:r>
+          </a:p>
+          <a:p>
+            <a:r>
+              <a:rPr lang="en-US" dirty="0">
+                <a:solidFill>
+                  <a:srgbClr val="A6A6A6"/>
+                </a:solidFill>
+                <a:latin typeface="Monaco"/>
+                <a:cs typeface="Monaco"/>
+              </a:rPr>
+              <a:t>	</a:t>
+            </a:r>
+            <a:r>
+              <a:rPr lang="en-US" dirty="0" smtClean="0">
+                <a:solidFill>
+                  <a:srgbClr val="A6A6A6"/>
+                </a:solidFill>
+                <a:latin typeface="Monaco"/>
+                <a:cs typeface="Monaco"/>
+              </a:rPr>
+              <a:t>False</a:t>
+            </a:r>
+            <a:endParaRPr lang="en-US" dirty="0">
+              <a:solidFill>
+                <a:srgbClr val="A6A6A6"/>
+              </a:solidFill>
+              <a:latin typeface="Monaco"/>
+              <a:cs typeface="Monaco"/>
+            </a:endParaRPr>
+          </a:p>
+          <a:p>
+            <a:endParaRPr lang="en-US" dirty="0" smtClean="0">
+              <a:latin typeface="Monaco"/>
+              <a:cs typeface="Monaco"/>
+            </a:endParaRPr>
+          </a:p>
+          <a:p>
+            <a:r>
+              <a:rPr lang="en-US" dirty="0" smtClean="0">
+                <a:latin typeface="Monaco"/>
+                <a:cs typeface="Monaco"/>
+              </a:rPr>
+              <a:t>print(b != 7 and c &lt;= 11)</a:t>
+            </a:r>
+          </a:p>
+          <a:p>
+            <a:r>
+              <a:rPr lang="en-US" dirty="0">
+                <a:solidFill>
+                  <a:srgbClr val="A6A6A6"/>
+                </a:solidFill>
+                <a:latin typeface="Monaco"/>
+                <a:cs typeface="Monaco"/>
+              </a:rPr>
+              <a:t>	</a:t>
+            </a:r>
+            <a:r>
+              <a:rPr lang="en-US" dirty="0" smtClean="0">
+                <a:solidFill>
+                  <a:srgbClr val="A6A6A6"/>
+                </a:solidFill>
+                <a:latin typeface="Monaco"/>
+                <a:cs typeface="Monaco"/>
+              </a:rPr>
+              <a:t>True</a:t>
+            </a:r>
+          </a:p>
+          <a:p>
+            <a:endParaRPr lang="en-US" dirty="0">
+              <a:solidFill>
+                <a:srgbClr val="A6A6A6"/>
+              </a:solidFill>
+              <a:latin typeface="Monaco"/>
+              <a:cs typeface="Monaco"/>
+            </a:endParaRPr>
+          </a:p>
+          <a:p>
+            <a:r>
+              <a:rPr lang="en-US" dirty="0" smtClean="0">
+                <a:latin typeface="Monaco"/>
+                <a:cs typeface="Monaco"/>
+              </a:rPr>
+              <a:t>print(c == -8.34 </a:t>
+            </a:r>
+            <a:r>
+              <a:rPr lang="en-US" dirty="0">
+                <a:latin typeface="Monaco"/>
+                <a:cs typeface="Monaco"/>
+              </a:rPr>
+              <a:t>and </a:t>
+            </a:r>
+            <a:r>
+              <a:rPr lang="en-US" dirty="0" smtClean="0">
+                <a:latin typeface="Monaco"/>
+                <a:cs typeface="Monaco"/>
+              </a:rPr>
+              <a:t>a == b)</a:t>
+            </a:r>
+            <a:endParaRPr lang="en-US" dirty="0">
+              <a:latin typeface="Monaco"/>
+              <a:cs typeface="Monaco"/>
+            </a:endParaRPr>
+          </a:p>
+          <a:p>
+            <a:r>
+              <a:rPr lang="en-US" dirty="0">
+                <a:solidFill>
+                  <a:srgbClr val="A6A6A6"/>
+                </a:solidFill>
+                <a:latin typeface="Monaco"/>
+                <a:cs typeface="Monaco"/>
+              </a:rPr>
+              <a:t>	</a:t>
+            </a:r>
+            <a:r>
+              <a:rPr lang="en-US" dirty="0" smtClean="0">
+                <a:solidFill>
+                  <a:srgbClr val="A6A6A6"/>
+                </a:solidFill>
+                <a:latin typeface="Monaco"/>
+                <a:cs typeface="Monaco"/>
+              </a:rPr>
+              <a:t>False</a:t>
+            </a:r>
+            <a:endParaRPr lang="en-US" dirty="0">
+              <a:solidFill>
+                <a:srgbClr val="A6A6A6"/>
+              </a:solidFill>
+              <a:latin typeface="Monaco"/>
+              <a:cs typeface="Monaco"/>
+            </a:endParaRPr>
+          </a:p>
+          <a:p>
+            <a:endParaRPr lang="en-US" dirty="0">
+              <a:solidFill>
+                <a:srgbClr val="A6A6A6"/>
+              </a:solidFill>
+              <a:latin typeface="Monaco"/>
+              <a:cs typeface="Monaco"/>
+            </a:endParaRPr>
+          </a:p>
+          <a:p>
+            <a:endParaRPr lang="en-US" dirty="0">
+              <a:solidFill>
+                <a:srgbClr val="A6A6A6"/>
+              </a:solidFill>
+              <a:latin typeface="Monaco"/>
+              <a:cs typeface="Monaco"/>
+            </a:endParaRPr>
           </a:p>
         </p:txBody>
       </p:sp>
     </p:spTree>
     <p:extLst>
       <p:ext uri="{BB962C8B-B14F-4D97-AF65-F5344CB8AC3E}">
-        <p14:creationId xmlns:p14="http://schemas.microsoft.com/office/powerpoint/2010/main" val="1631967237"/>
+        <p14:creationId xmlns:p14="http://schemas.microsoft.com/office/powerpoint/2010/main" val="2978888670"/>
       </p:ext>
     </p:extLst>
   </p:cSld>
@@ -19654,6 +19641,71 @@
             <p:ph type="title"/>
           </p:nvPr>
         </p:nvSpPr>
+        <p:spPr>
+          <a:xfrm>
+            <a:off x="2230714" y="3087537"/>
+            <a:ext cx="4688183" cy="692215"/>
+          </a:xfrm>
+        </p:spPr>
+        <p:txBody>
+          <a:bodyPr/>
+          <a:lstStyle/>
+          <a:p>
+            <a:r>
+              <a:rPr lang="en-US" dirty="0" smtClean="0"/>
+              <a:t>exercise break</a:t>
+            </a:r>
+            <a:endParaRPr lang="en-US" dirty="0"/>
+          </a:p>
+        </p:txBody>
+      </p:sp>
+    </p:spTree>
+    <p:extLst>
+      <p:ext uri="{BB962C8B-B14F-4D97-AF65-F5344CB8AC3E}">
+        <p14:creationId xmlns:p14="http://schemas.microsoft.com/office/powerpoint/2010/main" val="834707761"/>
+      </p:ext>
+    </p:extLst>
+  </p:cSld>
+  <p:clrMapOvr>
+    <a:masterClrMapping/>
+  </p:clrMapOvr>
+  <p:timing>
+    <p:tnLst>
+      <p:par>
+        <p:cTn id="1" dur="indefinite" restart="never" nodeType="tmRoot"/>
+      </p:par>
+    </p:tnLst>
+  </p:timing>
+</p:sld>
+</file>
+
+<file path=ppt/slides/slide51.xml><?xml version="1.0" encoding="utf-8"?>
+<p:sld xmlns:a="http://schemas.openxmlformats.org/drawingml/2006/main" xmlns:r="http://schemas.openxmlformats.org/officeDocument/2006/relationships" xmlns:p="http://schemas.openxmlformats.org/presentationml/2006/main">
+  <p:cSld>
+    <p:spTree>
+      <p:nvGrpSpPr>
+        <p:cNvPr id="1" name=""/>
+        <p:cNvGrpSpPr/>
+        <p:nvPr/>
+      </p:nvGrpSpPr>
+      <p:grpSpPr>
+        <a:xfrm>
+          <a:off x="0" y="0"/>
+          <a:ext cx="0" cy="0"/>
+          <a:chOff x="0" y="0"/>
+          <a:chExt cx="0" cy="0"/>
+        </a:xfrm>
+      </p:grpSpPr>
+      <p:sp>
+        <p:nvSpPr>
+          <p:cNvPr id="2" name="Title 1"/>
+          <p:cNvSpPr>
+            <a:spLocks noGrp="1"/>
+          </p:cNvSpPr>
+          <p:nvPr>
+            <p:ph type="title"/>
+          </p:nvPr>
+        </p:nvSpPr>
         <p:spPr/>
         <p:txBody>
           <a:bodyPr/>
@@ -20011,7 +20063,7 @@
 </p:sld>
 </file>
 
-<file path=ppt/slides/slide51.xml><?xml version="1.0" encoding="utf-8"?>
+<file path=ppt/slides/slide52.xml><?xml version="1.0" encoding="utf-8"?>
 <p:sld xmlns:a="http://schemas.openxmlformats.org/drawingml/2006/main" xmlns:r="http://schemas.openxmlformats.org/officeDocument/2006/relationships" xmlns:p="http://schemas.openxmlformats.org/presentationml/2006/main">
   <p:cSld>
     <p:spTree>
@@ -21137,7 +21189,7 @@
 </p:sld>
 </file>
 
-<file path=ppt/slides/slide52.xml><?xml version="1.0" encoding="utf-8"?>
+<file path=ppt/slides/slide53.xml><?xml version="1.0" encoding="utf-8"?>
 <p:sld xmlns:a="http://schemas.openxmlformats.org/drawingml/2006/main" xmlns:r="http://schemas.openxmlformats.org/officeDocument/2006/relationships" xmlns:p="http://schemas.openxmlformats.org/presentationml/2006/main">
   <p:cSld>
     <p:spTree>
@@ -22073,7 +22125,7 @@
 </p:sld>
 </file>
 
-<file path=ppt/slides/slide53.xml><?xml version="1.0" encoding="utf-8"?>
+<file path=ppt/slides/slide54.xml><?xml version="1.0" encoding="utf-8"?>
 <p:sld xmlns:a="http://schemas.openxmlformats.org/drawingml/2006/main" xmlns:r="http://schemas.openxmlformats.org/officeDocument/2006/relationships" xmlns:p="http://schemas.openxmlformats.org/presentationml/2006/main">
   <p:cSld>
     <p:spTree>
@@ -22977,7 +23029,7 @@
 </p:sld>
 </file>
 
-<file path=ppt/slides/slide54.xml><?xml version="1.0" encoding="utf-8"?>
+<file path=ppt/slides/slide55.xml><?xml version="1.0" encoding="utf-8"?>
 <p:sld xmlns:a="http://schemas.openxmlformats.org/drawingml/2006/main" xmlns:r="http://schemas.openxmlformats.org/officeDocument/2006/relationships" xmlns:p="http://schemas.openxmlformats.org/presentationml/2006/main">
   <p:cSld>
     <p:spTree>
@@ -23707,7 +23759,7 @@
 </p:sld>
 </file>
 
-<file path=ppt/slides/slide55.xml><?xml version="1.0" encoding="utf-8"?>
+<file path=ppt/slides/slide56.xml><?xml version="1.0" encoding="utf-8"?>
 <p:sld xmlns:a="http://schemas.openxmlformats.org/drawingml/2006/main" xmlns:r="http://schemas.openxmlformats.org/officeDocument/2006/relationships" xmlns:p="http://schemas.openxmlformats.org/presentationml/2006/main">
   <p:cSld>
     <p:spTree>
@@ -24089,7 +24141,7 @@
 </p:sld>
 </file>
 
-<file path=ppt/slides/slide56.xml><?xml version="1.0" encoding="utf-8"?>
+<file path=ppt/slides/slide57.xml><?xml version="1.0" encoding="utf-8"?>
 <p:sld xmlns:a="http://schemas.openxmlformats.org/drawingml/2006/main" xmlns:r="http://schemas.openxmlformats.org/officeDocument/2006/relationships" xmlns:p="http://schemas.openxmlformats.org/presentationml/2006/main">
   <p:cSld>
     <p:spTree>
@@ -24312,7 +24364,7 @@
 </p:sld>
 </file>
 
-<file path=ppt/slides/slide57.xml><?xml version="1.0" encoding="utf-8"?>
+<file path=ppt/slides/slide58.xml><?xml version="1.0" encoding="utf-8"?>
 <p:sld xmlns:a="http://schemas.openxmlformats.org/drawingml/2006/main" xmlns:r="http://schemas.openxmlformats.org/officeDocument/2006/relationships" xmlns:p="http://schemas.openxmlformats.org/presentationml/2006/main">
   <p:cSld>
     <p:spTree>

--- a/files/slides/slides_day1.pptx
+++ b/files/slides/slides_day1.pptx
@@ -19068,24 +19068,24 @@
           </a:p>
           <a:p>
             <a:r>
-              <a:rPr lang="en-US" sz="2200" dirty="0">
+              <a:rPr lang="en-US" sz="2200" dirty="0" smtClean="0">
                 <a:latin typeface="Monaco"/>
                 <a:cs typeface="Monaco"/>
               </a:rPr>
               <a:t>s1</a:t>
             </a:r>
             <a:r>
-              <a:rPr lang="en-US" sz="2200" dirty="0">
+              <a:rPr lang="en-US" sz="2200" dirty="0" smtClean="0">
                 <a:solidFill>
                   <a:schemeClr val="accent5"/>
                 </a:solidFill>
                 <a:latin typeface="Monaco"/>
                 <a:cs typeface="Monaco"/>
               </a:rPr>
-              <a:t>.upper()</a:t>
-            </a:r>
-            <a:r>
-              <a:rPr lang="en-US" sz="2200" dirty="0">
+              <a:t>.lower()</a:t>
+            </a:r>
+            <a:r>
+              <a:rPr lang="en-US" sz="2200" dirty="0" smtClean="0">
                 <a:latin typeface="Monaco"/>
                 <a:cs typeface="Monaco"/>
               </a:rPr>
@@ -19641,28 +19641,291 @@
             <p:ph type="title"/>
           </p:nvPr>
         </p:nvSpPr>
-        <p:spPr>
-          <a:xfrm>
-            <a:off x="2230714" y="3087537"/>
-            <a:ext cx="4688183" cy="692215"/>
-          </a:xfrm>
-        </p:spPr>
+        <p:spPr/>
         <p:txBody>
           <a:bodyPr/>
           <a:lstStyle/>
           <a:p>
             <a:r>
               <a:rPr lang="en-US" dirty="0" smtClean="0"/>
-              <a:t>exercise break</a:t>
+              <a:t>concatenating strings</a:t>
             </a:r>
             <a:endParaRPr lang="en-US" dirty="0"/>
+          </a:p>
+        </p:txBody>
+      </p:sp>
+      <p:sp>
+        <p:nvSpPr>
+          <p:cNvPr id="4" name="TextBox 3"/>
+          <p:cNvSpPr txBox="1"/>
+          <p:nvPr/>
+        </p:nvSpPr>
+        <p:spPr>
+          <a:xfrm>
+            <a:off x="457199" y="1683955"/>
+            <a:ext cx="8614554" cy="4154984"/>
+          </a:xfrm>
+          <a:prstGeom prst="rect">
+            <a:avLst/>
+          </a:prstGeom>
+          <a:noFill/>
+        </p:spPr>
+        <p:txBody>
+          <a:bodyPr wrap="square" rtlCol="0">
+            <a:spAutoFit/>
+          </a:bodyPr>
+          <a:lstStyle/>
+          <a:p>
+            <a:r>
+              <a:rPr lang="en-US" sz="2200" dirty="0" smtClean="0">
+                <a:latin typeface="Monaco"/>
+                <a:cs typeface="Monaco"/>
+              </a:rPr>
+              <a:t>s1 = "python</a:t>
+            </a:r>
+            <a:r>
+              <a:rPr lang="en-US" sz="2200" dirty="0" smtClean="0">
+                <a:latin typeface="Monaco"/>
+                <a:cs typeface="Monaco"/>
+              </a:rPr>
+              <a:t>"</a:t>
+            </a:r>
+          </a:p>
+          <a:p>
+            <a:r>
+              <a:rPr lang="en-US" sz="2200" dirty="0" smtClean="0">
+                <a:latin typeface="Monaco"/>
+                <a:cs typeface="Monaco"/>
+              </a:rPr>
+              <a:t>s2 = "is so cool"</a:t>
+            </a:r>
+          </a:p>
+          <a:p>
+            <a:endParaRPr lang="en-US" sz="2200" dirty="0" smtClean="0">
+              <a:latin typeface="Monaco"/>
+              <a:cs typeface="Monaco"/>
+            </a:endParaRPr>
+          </a:p>
+          <a:p>
+            <a:r>
+              <a:rPr lang="en-US" sz="2200" dirty="0" smtClean="0">
+                <a:solidFill>
+                  <a:schemeClr val="accent3">
+                    <a:lumMod val="60000"/>
+                    <a:lumOff val="40000"/>
+                  </a:schemeClr>
+                </a:solidFill>
+                <a:latin typeface="Monaco"/>
+                <a:cs typeface="Monaco"/>
+              </a:rPr>
+              <a:t>## Use the + sign to add strings</a:t>
+            </a:r>
+            <a:endParaRPr lang="en-US" sz="2200" dirty="0">
+              <a:solidFill>
+                <a:schemeClr val="accent3">
+                  <a:lumMod val="60000"/>
+                  <a:lumOff val="40000"/>
+                </a:schemeClr>
+              </a:solidFill>
+              <a:latin typeface="Monaco"/>
+              <a:cs typeface="Monaco"/>
+            </a:endParaRPr>
+          </a:p>
+          <a:p>
+            <a:r>
+              <a:rPr lang="en-US" sz="2200" dirty="0" smtClean="0">
+                <a:latin typeface="Monaco"/>
+                <a:cs typeface="Monaco"/>
+              </a:rPr>
+              <a:t>combined = s1 + s2</a:t>
+            </a:r>
+          </a:p>
+          <a:p>
+            <a:r>
+              <a:rPr lang="en-US" sz="2200" dirty="0" smtClean="0">
+                <a:latin typeface="Monaco"/>
+                <a:cs typeface="Monaco"/>
+              </a:rPr>
+              <a:t>print(combined)</a:t>
+            </a:r>
+          </a:p>
+          <a:p>
+            <a:r>
+              <a:rPr lang="en-US" sz="2200" dirty="0">
+                <a:solidFill>
+                  <a:schemeClr val="bg1">
+                    <a:lumMod val="65000"/>
+                  </a:schemeClr>
+                </a:solidFill>
+                <a:latin typeface="Monaco"/>
+                <a:cs typeface="Monaco"/>
+              </a:rPr>
+              <a:t>	</a:t>
+            </a:r>
+            <a:r>
+              <a:rPr lang="en-US" sz="2200" dirty="0" smtClean="0">
+                <a:solidFill>
+                  <a:schemeClr val="bg1">
+                    <a:lumMod val="65000"/>
+                  </a:schemeClr>
+                </a:solidFill>
+                <a:latin typeface="Monaco"/>
+                <a:cs typeface="Monaco"/>
+              </a:rPr>
+              <a:t>"</a:t>
+            </a:r>
+            <a:r>
+              <a:rPr lang="en-US" sz="2200" dirty="0" err="1" smtClean="0">
+                <a:solidFill>
+                  <a:schemeClr val="bg1">
+                    <a:lumMod val="65000"/>
+                  </a:schemeClr>
+                </a:solidFill>
+                <a:latin typeface="Monaco"/>
+                <a:cs typeface="Monaco"/>
+              </a:rPr>
+              <a:t>pythonis</a:t>
+            </a:r>
+            <a:r>
+              <a:rPr lang="en-US" sz="2200" dirty="0" smtClean="0">
+                <a:solidFill>
+                  <a:schemeClr val="bg1">
+                    <a:lumMod val="65000"/>
+                  </a:schemeClr>
+                </a:solidFill>
+                <a:latin typeface="Monaco"/>
+                <a:cs typeface="Monaco"/>
+              </a:rPr>
+              <a:t> so cool"</a:t>
+            </a:r>
+          </a:p>
+          <a:p>
+            <a:endParaRPr lang="en-US" sz="2200" dirty="0">
+              <a:latin typeface="Monaco"/>
+              <a:cs typeface="Monaco"/>
+            </a:endParaRPr>
+          </a:p>
+          <a:p>
+            <a:r>
+              <a:rPr lang="en-US" sz="2200" dirty="0" smtClean="0">
+                <a:solidFill>
+                  <a:schemeClr val="accent3">
+                    <a:lumMod val="60000"/>
+                    <a:lumOff val="40000"/>
+                  </a:schemeClr>
+                </a:solidFill>
+                <a:latin typeface="Monaco"/>
+                <a:cs typeface="Monaco"/>
+              </a:rPr>
+              <a:t>## with some spaces!</a:t>
+            </a:r>
+          </a:p>
+          <a:p>
+            <a:r>
+              <a:rPr lang="en-US" sz="2200" dirty="0">
+                <a:latin typeface="Monaco"/>
+                <a:cs typeface="Monaco"/>
+              </a:rPr>
+              <a:t>combined = s1 + </a:t>
+            </a:r>
+            <a:r>
+              <a:rPr lang="en-US" sz="2200" dirty="0" smtClean="0">
+                <a:latin typeface="Monaco"/>
+                <a:cs typeface="Monaco"/>
+              </a:rPr>
+              <a:t>" " + s2</a:t>
+            </a:r>
+            <a:endParaRPr lang="en-US" sz="2200" dirty="0">
+              <a:latin typeface="Monaco"/>
+              <a:cs typeface="Monaco"/>
+            </a:endParaRPr>
+          </a:p>
+          <a:p>
+            <a:r>
+              <a:rPr lang="en-US" sz="2200" dirty="0">
+                <a:latin typeface="Monaco"/>
+                <a:cs typeface="Monaco"/>
+              </a:rPr>
+              <a:t>print(combined)</a:t>
+            </a:r>
+          </a:p>
+          <a:p>
+            <a:r>
+              <a:rPr lang="en-US" sz="2200" dirty="0">
+                <a:solidFill>
+                  <a:schemeClr val="bg1">
+                    <a:lumMod val="65000"/>
+                  </a:schemeClr>
+                </a:solidFill>
+                <a:latin typeface="Monaco"/>
+                <a:cs typeface="Monaco"/>
+              </a:rPr>
+              <a:t>	"</a:t>
+            </a:r>
+            <a:r>
+              <a:rPr lang="en-US" sz="2200" dirty="0" err="1">
+                <a:solidFill>
+                  <a:schemeClr val="bg1">
+                    <a:lumMod val="65000"/>
+                  </a:schemeClr>
+                </a:solidFill>
+                <a:latin typeface="Monaco"/>
+                <a:cs typeface="Monaco"/>
+              </a:rPr>
+              <a:t>pythonis</a:t>
+            </a:r>
+            <a:r>
+              <a:rPr lang="en-US" sz="2200" dirty="0">
+                <a:solidFill>
+                  <a:schemeClr val="bg1">
+                    <a:lumMod val="65000"/>
+                  </a:schemeClr>
+                </a:solidFill>
+                <a:latin typeface="Monaco"/>
+                <a:cs typeface="Monaco"/>
+              </a:rPr>
+              <a:t> so </a:t>
+            </a:r>
+            <a:r>
+              <a:rPr lang="en-US" sz="2200">
+                <a:solidFill>
+                  <a:schemeClr val="bg1">
+                    <a:lumMod val="65000"/>
+                  </a:schemeClr>
+                </a:solidFill>
+                <a:latin typeface="Monaco"/>
+                <a:cs typeface="Monaco"/>
+              </a:rPr>
+              <a:t>cool</a:t>
+            </a:r>
+            <a:r>
+              <a:rPr lang="en-US" sz="2200" smtClean="0">
+                <a:solidFill>
+                  <a:schemeClr val="bg1">
+                    <a:lumMod val="65000"/>
+                  </a:schemeClr>
+                </a:solidFill>
+                <a:latin typeface="Monaco"/>
+                <a:cs typeface="Monaco"/>
+              </a:rPr>
+              <a:t>"</a:t>
+            </a:r>
+            <a:endParaRPr lang="en-US" sz="2200" dirty="0">
+              <a:solidFill>
+                <a:schemeClr val="bg1">
+                  <a:lumMod val="65000"/>
+                </a:schemeClr>
+              </a:solidFill>
+              <a:latin typeface="Monaco"/>
+              <a:cs typeface="Monaco"/>
+            </a:endParaRPr>
           </a:p>
         </p:txBody>
       </p:sp>
     </p:spTree>
     <p:extLst>
       <p:ext uri="{BB962C8B-B14F-4D97-AF65-F5344CB8AC3E}">
-        <p14:creationId xmlns:p14="http://schemas.microsoft.com/office/powerpoint/2010/main" val="834707761"/>
+        <p14:creationId xmlns:p14="http://schemas.microsoft.com/office/powerpoint/2010/main" val="1366740288"/>
       </p:ext>
     </p:extLst>
   </p:cSld>
